--- a/Final Year Project Design.pptx
+++ b/Final Year Project Design.pptx
@@ -4,6 +4,9 @@
   <p:sldMasterIdLst>
     <p:sldMasterId id="2147483708" r:id="rId1"/>
   </p:sldMasterIdLst>
+  <p:notesMasterIdLst>
+    <p:notesMasterId r:id="rId19"/>
+  </p:notesMasterIdLst>
   <p:sldIdLst>
     <p:sldId id="256" r:id="rId2"/>
     <p:sldId id="257" r:id="rId3"/>
@@ -17,6 +20,11 @@
     <p:sldId id="265" r:id="rId11"/>
     <p:sldId id="266" r:id="rId12"/>
     <p:sldId id="267" r:id="rId13"/>
+    <p:sldId id="268" r:id="rId14"/>
+    <p:sldId id="269" r:id="rId15"/>
+    <p:sldId id="270" r:id="rId16"/>
+    <p:sldId id="271" r:id="rId17"/>
+    <p:sldId id="272" r:id="rId18"/>
   </p:sldIdLst>
   <p:sldSz cx="9144000" cy="6858000" type="screen4x3"/>
   <p:notesSz cx="6858000" cy="9144000"/>
@@ -118,6 +126,434 @@
 </p:presentation>
 </file>
 
+<file path=ppt/notesMasters/notesMaster1.xml><?xml version="1.0" encoding="utf-8"?>
+<p:notesMaster xmlns:a="http://schemas.openxmlformats.org/drawingml/2006/main" xmlns:r="http://schemas.openxmlformats.org/officeDocument/2006/relationships" xmlns:p="http://schemas.openxmlformats.org/presentationml/2006/main">
+  <p:cSld>
+    <p:bg>
+      <p:bgRef idx="1001">
+        <a:schemeClr val="bg1"/>
+      </p:bgRef>
+    </p:bg>
+    <p:spTree>
+      <p:nvGrpSpPr>
+        <p:cNvPr id="1" name=""/>
+        <p:cNvGrpSpPr/>
+        <p:nvPr/>
+      </p:nvGrpSpPr>
+      <p:grpSpPr>
+        <a:xfrm>
+          <a:off x="0" y="0"/>
+          <a:ext cx="0" cy="0"/>
+          <a:chOff x="0" y="0"/>
+          <a:chExt cx="0" cy="0"/>
+        </a:xfrm>
+      </p:grpSpPr>
+      <p:sp>
+        <p:nvSpPr>
+          <p:cNvPr id="2" name="Header Placeholder 1"/>
+          <p:cNvSpPr>
+            <a:spLocks noGrp="1"/>
+          </p:cNvSpPr>
+          <p:nvPr>
+            <p:ph type="hdr" sz="quarter"/>
+          </p:nvPr>
+        </p:nvSpPr>
+        <p:spPr>
+          <a:xfrm>
+            <a:off x="0" y="0"/>
+            <a:ext cx="2971800" cy="457200"/>
+          </a:xfrm>
+          <a:prstGeom prst="rect">
+            <a:avLst/>
+          </a:prstGeom>
+        </p:spPr>
+        <p:txBody>
+          <a:bodyPr vert="horz" lIns="91440" tIns="45720" rIns="91440" bIns="45720" rtlCol="0"/>
+          <a:lstStyle>
+            <a:lvl1pPr algn="l">
+              <a:defRPr sz="1200"/>
+            </a:lvl1pPr>
+          </a:lstStyle>
+          <a:p>
+            <a:endParaRPr lang="en-US"/>
+          </a:p>
+        </p:txBody>
+      </p:sp>
+      <p:sp>
+        <p:nvSpPr>
+          <p:cNvPr id="3" name="Date Placeholder 2"/>
+          <p:cNvSpPr>
+            <a:spLocks noGrp="1"/>
+          </p:cNvSpPr>
+          <p:nvPr>
+            <p:ph type="dt" idx="1"/>
+          </p:nvPr>
+        </p:nvSpPr>
+        <p:spPr>
+          <a:xfrm>
+            <a:off x="3884613" y="0"/>
+            <a:ext cx="2971800" cy="457200"/>
+          </a:xfrm>
+          <a:prstGeom prst="rect">
+            <a:avLst/>
+          </a:prstGeom>
+        </p:spPr>
+        <p:txBody>
+          <a:bodyPr vert="horz" lIns="91440" tIns="45720" rIns="91440" bIns="45720" rtlCol="0"/>
+          <a:lstStyle>
+            <a:lvl1pPr algn="r">
+              <a:defRPr sz="1200"/>
+            </a:lvl1pPr>
+          </a:lstStyle>
+          <a:p>
+            <a:fld id="{305DF05D-01EA-4517-8204-3C831324D1A6}" type="datetimeFigureOut">
+              <a:rPr lang="en-US" smtClean="0"/>
+              <a:t>6/7/2024</a:t>
+            </a:fld>
+            <a:endParaRPr lang="en-US"/>
+          </a:p>
+        </p:txBody>
+      </p:sp>
+      <p:sp>
+        <p:nvSpPr>
+          <p:cNvPr id="4" name="Slide Image Placeholder 3"/>
+          <p:cNvSpPr>
+            <a:spLocks noGrp="1" noRot="1" noChangeAspect="1"/>
+          </p:cNvSpPr>
+          <p:nvPr>
+            <p:ph type="sldImg" idx="2"/>
+          </p:nvPr>
+        </p:nvSpPr>
+        <p:spPr>
+          <a:xfrm>
+            <a:off x="1143000" y="685800"/>
+            <a:ext cx="4572000" cy="3429000"/>
+          </a:xfrm>
+          <a:prstGeom prst="rect">
+            <a:avLst/>
+          </a:prstGeom>
+          <a:noFill/>
+          <a:ln w="12700">
+            <a:solidFill>
+              <a:prstClr val="black"/>
+            </a:solidFill>
+          </a:ln>
+        </p:spPr>
+        <p:txBody>
+          <a:bodyPr vert="horz" lIns="91440" tIns="45720" rIns="91440" bIns="45720" rtlCol="0" anchor="ctr"/>
+          <a:lstStyle/>
+          <a:p>
+            <a:endParaRPr lang="en-US"/>
+          </a:p>
+        </p:txBody>
+      </p:sp>
+      <p:sp>
+        <p:nvSpPr>
+          <p:cNvPr id="5" name="Notes Placeholder 4"/>
+          <p:cNvSpPr>
+            <a:spLocks noGrp="1"/>
+          </p:cNvSpPr>
+          <p:nvPr>
+            <p:ph type="body" sz="quarter" idx="3"/>
+          </p:nvPr>
+        </p:nvSpPr>
+        <p:spPr>
+          <a:xfrm>
+            <a:off x="685800" y="4343400"/>
+            <a:ext cx="5486400" cy="4114800"/>
+          </a:xfrm>
+          <a:prstGeom prst="rect">
+            <a:avLst/>
+          </a:prstGeom>
+        </p:spPr>
+        <p:txBody>
+          <a:bodyPr vert="horz" lIns="91440" tIns="45720" rIns="91440" bIns="45720" rtlCol="0">
+            <a:normAutofit/>
+          </a:bodyPr>
+          <a:lstStyle/>
+          <a:p>
+            <a:pPr lvl="0"/>
+            <a:r>
+              <a:rPr lang="en-US" smtClean="0"/>
+              <a:t>Click to edit Master text styles</a:t>
+            </a:r>
+          </a:p>
+          <a:p>
+            <a:pPr lvl="1"/>
+            <a:r>
+              <a:rPr lang="en-US" smtClean="0"/>
+              <a:t>Second level</a:t>
+            </a:r>
+          </a:p>
+          <a:p>
+            <a:pPr lvl="2"/>
+            <a:r>
+              <a:rPr lang="en-US" smtClean="0"/>
+              <a:t>Third level</a:t>
+            </a:r>
+          </a:p>
+          <a:p>
+            <a:pPr lvl="3"/>
+            <a:r>
+              <a:rPr lang="en-US" smtClean="0"/>
+              <a:t>Fourth level</a:t>
+            </a:r>
+          </a:p>
+          <a:p>
+            <a:pPr lvl="4"/>
+            <a:r>
+              <a:rPr lang="en-US" smtClean="0"/>
+              <a:t>Fifth level</a:t>
+            </a:r>
+            <a:endParaRPr lang="en-US"/>
+          </a:p>
+        </p:txBody>
+      </p:sp>
+      <p:sp>
+        <p:nvSpPr>
+          <p:cNvPr id="6" name="Footer Placeholder 5"/>
+          <p:cNvSpPr>
+            <a:spLocks noGrp="1"/>
+          </p:cNvSpPr>
+          <p:nvPr>
+            <p:ph type="ftr" sz="quarter" idx="4"/>
+          </p:nvPr>
+        </p:nvSpPr>
+        <p:spPr>
+          <a:xfrm>
+            <a:off x="0" y="8685213"/>
+            <a:ext cx="2971800" cy="457200"/>
+          </a:xfrm>
+          <a:prstGeom prst="rect">
+            <a:avLst/>
+          </a:prstGeom>
+        </p:spPr>
+        <p:txBody>
+          <a:bodyPr vert="horz" lIns="91440" tIns="45720" rIns="91440" bIns="45720" rtlCol="0" anchor="b"/>
+          <a:lstStyle>
+            <a:lvl1pPr algn="l">
+              <a:defRPr sz="1200"/>
+            </a:lvl1pPr>
+          </a:lstStyle>
+          <a:p>
+            <a:endParaRPr lang="en-US"/>
+          </a:p>
+        </p:txBody>
+      </p:sp>
+      <p:sp>
+        <p:nvSpPr>
+          <p:cNvPr id="7" name="Slide Number Placeholder 6"/>
+          <p:cNvSpPr>
+            <a:spLocks noGrp="1"/>
+          </p:cNvSpPr>
+          <p:nvPr>
+            <p:ph type="sldNum" sz="quarter" idx="5"/>
+          </p:nvPr>
+        </p:nvSpPr>
+        <p:spPr>
+          <a:xfrm>
+            <a:off x="3884613" y="8685213"/>
+            <a:ext cx="2971800" cy="457200"/>
+          </a:xfrm>
+          <a:prstGeom prst="rect">
+            <a:avLst/>
+          </a:prstGeom>
+        </p:spPr>
+        <p:txBody>
+          <a:bodyPr vert="horz" lIns="91440" tIns="45720" rIns="91440" bIns="45720" rtlCol="0" anchor="b"/>
+          <a:lstStyle>
+            <a:lvl1pPr algn="r">
+              <a:defRPr sz="1200"/>
+            </a:lvl1pPr>
+          </a:lstStyle>
+          <a:p>
+            <a:fld id="{FDB393FE-4600-4F24-B9BA-02AF1BD8A311}" type="slidenum">
+              <a:rPr lang="en-US" smtClean="0"/>
+              <a:t>‹#›</a:t>
+            </a:fld>
+            <a:endParaRPr lang="en-US"/>
+          </a:p>
+        </p:txBody>
+      </p:sp>
+    </p:spTree>
+  </p:cSld>
+  <p:clrMap bg1="lt1" tx1="dk1" bg2="lt2" tx2="dk2" accent1="accent1" accent2="accent2" accent3="accent3" accent4="accent4" accent5="accent5" accent6="accent6" hlink="hlink" folHlink="folHlink"/>
+  <p:notesStyle>
+    <a:lvl1pPr marL="0" algn="l" defTabSz="914400" rtl="0" eaLnBrk="1" latinLnBrk="0" hangingPunct="1">
+      <a:defRPr sz="1200" kern="1200">
+        <a:solidFill>
+          <a:schemeClr val="tx1"/>
+        </a:solidFill>
+        <a:latin typeface="+mn-lt"/>
+        <a:ea typeface="+mn-ea"/>
+        <a:cs typeface="+mn-cs"/>
+      </a:defRPr>
+    </a:lvl1pPr>
+    <a:lvl2pPr marL="457200" algn="l" defTabSz="914400" rtl="0" eaLnBrk="1" latinLnBrk="0" hangingPunct="1">
+      <a:defRPr sz="1200" kern="1200">
+        <a:solidFill>
+          <a:schemeClr val="tx1"/>
+        </a:solidFill>
+        <a:latin typeface="+mn-lt"/>
+        <a:ea typeface="+mn-ea"/>
+        <a:cs typeface="+mn-cs"/>
+      </a:defRPr>
+    </a:lvl2pPr>
+    <a:lvl3pPr marL="914400" algn="l" defTabSz="914400" rtl="0" eaLnBrk="1" latinLnBrk="0" hangingPunct="1">
+      <a:defRPr sz="1200" kern="1200">
+        <a:solidFill>
+          <a:schemeClr val="tx1"/>
+        </a:solidFill>
+        <a:latin typeface="+mn-lt"/>
+        <a:ea typeface="+mn-ea"/>
+        <a:cs typeface="+mn-cs"/>
+      </a:defRPr>
+    </a:lvl3pPr>
+    <a:lvl4pPr marL="1371600" algn="l" defTabSz="914400" rtl="0" eaLnBrk="1" latinLnBrk="0" hangingPunct="1">
+      <a:defRPr sz="1200" kern="1200">
+        <a:solidFill>
+          <a:schemeClr val="tx1"/>
+        </a:solidFill>
+        <a:latin typeface="+mn-lt"/>
+        <a:ea typeface="+mn-ea"/>
+        <a:cs typeface="+mn-cs"/>
+      </a:defRPr>
+    </a:lvl4pPr>
+    <a:lvl5pPr marL="1828800" algn="l" defTabSz="914400" rtl="0" eaLnBrk="1" latinLnBrk="0" hangingPunct="1">
+      <a:defRPr sz="1200" kern="1200">
+        <a:solidFill>
+          <a:schemeClr val="tx1"/>
+        </a:solidFill>
+        <a:latin typeface="+mn-lt"/>
+        <a:ea typeface="+mn-ea"/>
+        <a:cs typeface="+mn-cs"/>
+      </a:defRPr>
+    </a:lvl5pPr>
+    <a:lvl6pPr marL="2286000" algn="l" defTabSz="914400" rtl="0" eaLnBrk="1" latinLnBrk="0" hangingPunct="1">
+      <a:defRPr sz="1200" kern="1200">
+        <a:solidFill>
+          <a:schemeClr val="tx1"/>
+        </a:solidFill>
+        <a:latin typeface="+mn-lt"/>
+        <a:ea typeface="+mn-ea"/>
+        <a:cs typeface="+mn-cs"/>
+      </a:defRPr>
+    </a:lvl6pPr>
+    <a:lvl7pPr marL="2743200" algn="l" defTabSz="914400" rtl="0" eaLnBrk="1" latinLnBrk="0" hangingPunct="1">
+      <a:defRPr sz="1200" kern="1200">
+        <a:solidFill>
+          <a:schemeClr val="tx1"/>
+        </a:solidFill>
+        <a:latin typeface="+mn-lt"/>
+        <a:ea typeface="+mn-ea"/>
+        <a:cs typeface="+mn-cs"/>
+      </a:defRPr>
+    </a:lvl7pPr>
+    <a:lvl8pPr marL="3200400" algn="l" defTabSz="914400" rtl="0" eaLnBrk="1" latinLnBrk="0" hangingPunct="1">
+      <a:defRPr sz="1200" kern="1200">
+        <a:solidFill>
+          <a:schemeClr val="tx1"/>
+        </a:solidFill>
+        <a:latin typeface="+mn-lt"/>
+        <a:ea typeface="+mn-ea"/>
+        <a:cs typeface="+mn-cs"/>
+      </a:defRPr>
+    </a:lvl8pPr>
+    <a:lvl9pPr marL="3657600" algn="l" defTabSz="914400" rtl="0" eaLnBrk="1" latinLnBrk="0" hangingPunct="1">
+      <a:defRPr sz="1200" kern="1200">
+        <a:solidFill>
+          <a:schemeClr val="tx1"/>
+        </a:solidFill>
+        <a:latin typeface="+mn-lt"/>
+        <a:ea typeface="+mn-ea"/>
+        <a:cs typeface="+mn-cs"/>
+      </a:defRPr>
+    </a:lvl9pPr>
+  </p:notesStyle>
+</p:notesMaster>
+</file>
+
+<file path=ppt/notesSlides/notesSlide1.xml><?xml version="1.0" encoding="utf-8"?>
+<p:notes xmlns:a="http://schemas.openxmlformats.org/drawingml/2006/main" xmlns:r="http://schemas.openxmlformats.org/officeDocument/2006/relationships" xmlns:p="http://schemas.openxmlformats.org/presentationml/2006/main">
+  <p:cSld>
+    <p:spTree>
+      <p:nvGrpSpPr>
+        <p:cNvPr id="1" name=""/>
+        <p:cNvGrpSpPr/>
+        <p:nvPr/>
+      </p:nvGrpSpPr>
+      <p:grpSpPr>
+        <a:xfrm>
+          <a:off x="0" y="0"/>
+          <a:ext cx="0" cy="0"/>
+          <a:chOff x="0" y="0"/>
+          <a:chExt cx="0" cy="0"/>
+        </a:xfrm>
+      </p:grpSpPr>
+      <p:sp>
+        <p:nvSpPr>
+          <p:cNvPr id="2" name="Slide Image Placeholder 1"/>
+          <p:cNvSpPr>
+            <a:spLocks noGrp="1" noRot="1" noChangeAspect="1"/>
+          </p:cNvSpPr>
+          <p:nvPr>
+            <p:ph type="sldImg"/>
+          </p:nvPr>
+        </p:nvSpPr>
+        <p:spPr/>
+      </p:sp>
+      <p:sp>
+        <p:nvSpPr>
+          <p:cNvPr id="3" name="Notes Placeholder 2"/>
+          <p:cNvSpPr>
+            <a:spLocks noGrp="1"/>
+          </p:cNvSpPr>
+          <p:nvPr>
+            <p:ph type="body" idx="1"/>
+          </p:nvPr>
+        </p:nvSpPr>
+        <p:spPr/>
+        <p:txBody>
+          <a:bodyPr>
+            <a:normAutofit/>
+          </a:bodyPr>
+          <a:lstStyle/>
+          <a:p>
+            <a:endParaRPr lang="en-US" dirty="0"/>
+          </a:p>
+        </p:txBody>
+      </p:sp>
+      <p:sp>
+        <p:nvSpPr>
+          <p:cNvPr id="4" name="Slide Number Placeholder 3"/>
+          <p:cNvSpPr>
+            <a:spLocks noGrp="1"/>
+          </p:cNvSpPr>
+          <p:nvPr>
+            <p:ph type="sldNum" sz="quarter" idx="10"/>
+          </p:nvPr>
+        </p:nvSpPr>
+        <p:spPr/>
+        <p:txBody>
+          <a:bodyPr/>
+          <a:lstStyle/>
+          <a:p>
+            <a:fld id="{FDB393FE-4600-4F24-B9BA-02AF1BD8A311}" type="slidenum">
+              <a:rPr lang="en-US" smtClean="0"/>
+              <a:t>3</a:t>
+            </a:fld>
+            <a:endParaRPr lang="en-US"/>
+          </a:p>
+        </p:txBody>
+      </p:sp>
+    </p:spTree>
+  </p:cSld>
+  <p:clrMapOvr>
+    <a:masterClrMapping/>
+  </p:clrMapOvr>
+</p:notes>
+</file>
+
 <file path=ppt/slideLayouts/slideLayout1.xml><?xml version="1.0" encoding="utf-8"?>
 <p:sldLayout xmlns:a="http://schemas.openxmlformats.org/drawingml/2006/main" xmlns:r="http://schemas.openxmlformats.org/officeDocument/2006/relationships" xmlns:p="http://schemas.openxmlformats.org/presentationml/2006/main" showMasterSp="0" type="title" preserve="1">
   <p:cSld name="Title Slide">
@@ -255,7 +691,8 @@
           <a:p>
             <a:fld id="{06E49DAA-0AE2-4421-B9A7-9F23E9B6FFE8}" type="datetimeFigureOut">
               <a:rPr lang="en-US" smtClean="0"/>
-              <a:t>6/6/2024</a:t>
+              <a:pPr/>
+              <a:t>6/7/2024</a:t>
             </a:fld>
             <a:endParaRPr lang="en-US"/>
           </a:p>
@@ -1001,6 +1438,7 @@
           <a:p>
             <a:fld id="{9BCFF83B-9C5B-43DB-983E-1A92CF4AA515}" type="slidenum">
               <a:rPr lang="en-US" smtClean="0"/>
+              <a:pPr/>
               <a:t>‹#›</a:t>
             </a:fld>
             <a:endParaRPr lang="en-US"/>
@@ -1124,7 +1562,8 @@
           <a:p>
             <a:fld id="{06E49DAA-0AE2-4421-B9A7-9F23E9B6FFE8}" type="datetimeFigureOut">
               <a:rPr lang="en-US" smtClean="0"/>
-              <a:t>6/6/2024</a:t>
+              <a:pPr/>
+              <a:t>6/7/2024</a:t>
             </a:fld>
             <a:endParaRPr lang="en-US"/>
           </a:p>
@@ -1166,6 +1605,7 @@
           <a:p>
             <a:fld id="{9BCFF83B-9C5B-43DB-983E-1A92CF4AA515}" type="slidenum">
               <a:rPr lang="en-US" smtClean="0"/>
+              <a:pPr/>
               <a:t>‹#›</a:t>
             </a:fld>
             <a:endParaRPr lang="en-US"/>
@@ -1299,7 +1739,8 @@
           <a:p>
             <a:fld id="{06E49DAA-0AE2-4421-B9A7-9F23E9B6FFE8}" type="datetimeFigureOut">
               <a:rPr lang="en-US" smtClean="0"/>
-              <a:t>6/6/2024</a:t>
+              <a:pPr/>
+              <a:t>6/7/2024</a:t>
             </a:fld>
             <a:endParaRPr lang="en-US"/>
           </a:p>
@@ -1341,6 +1782,7 @@
           <a:p>
             <a:fld id="{9BCFF83B-9C5B-43DB-983E-1A92CF4AA515}" type="slidenum">
               <a:rPr lang="en-US" smtClean="0"/>
+              <a:pPr/>
               <a:t>‹#›</a:t>
             </a:fld>
             <a:endParaRPr lang="en-US"/>
@@ -1469,7 +1911,8 @@
           <a:p>
             <a:fld id="{06E49DAA-0AE2-4421-B9A7-9F23E9B6FFE8}" type="datetimeFigureOut">
               <a:rPr lang="en-US" smtClean="0"/>
-              <a:t>6/6/2024</a:t>
+              <a:pPr/>
+              <a:t>6/7/2024</a:t>
             </a:fld>
             <a:endParaRPr lang="en-US"/>
           </a:p>
@@ -1492,6 +1935,7 @@
           <a:p>
             <a:fld id="{9BCFF83B-9C5B-43DB-983E-1A92CF4AA515}" type="slidenum">
               <a:rPr lang="en-US" smtClean="0"/>
+              <a:pPr/>
               <a:t>‹#›</a:t>
             </a:fld>
             <a:endParaRPr lang="en-US"/>
@@ -1679,7 +2123,8 @@
           <a:p>
             <a:fld id="{06E49DAA-0AE2-4421-B9A7-9F23E9B6FFE8}" type="datetimeFigureOut">
               <a:rPr lang="en-US" smtClean="0"/>
-              <a:t>6/6/2024</a:t>
+              <a:pPr/>
+              <a:t>6/7/2024</a:t>
             </a:fld>
             <a:endParaRPr lang="en-US"/>
           </a:p>
@@ -2422,6 +2867,7 @@
           <a:p>
             <a:fld id="{9BCFF83B-9C5B-43DB-983E-1A92CF4AA515}" type="slidenum">
               <a:rPr lang="en-US" smtClean="0"/>
+              <a:pPr/>
               <a:t>‹#›</a:t>
             </a:fld>
             <a:endParaRPr lang="en-US"/>
@@ -2493,7 +2939,8 @@
           <a:p>
             <a:fld id="{06E49DAA-0AE2-4421-B9A7-9F23E9B6FFE8}" type="datetimeFigureOut">
               <a:rPr lang="en-US" smtClean="0"/>
-              <a:t>6/6/2024</a:t>
+              <a:pPr/>
+              <a:t>6/7/2024</a:t>
             </a:fld>
             <a:endParaRPr lang="en-US"/>
           </a:p>
@@ -2535,6 +2982,7 @@
           <a:p>
             <a:fld id="{9BCFF83B-9C5B-43DB-983E-1A92CF4AA515}" type="slidenum">
               <a:rPr lang="en-US" smtClean="0"/>
+              <a:pPr/>
               <a:t>‹#›</a:t>
             </a:fld>
             <a:endParaRPr lang="en-US"/>
@@ -2729,7 +3177,8 @@
           <a:p>
             <a:fld id="{06E49DAA-0AE2-4421-B9A7-9F23E9B6FFE8}" type="datetimeFigureOut">
               <a:rPr lang="en-US" smtClean="0"/>
-              <a:t>6/6/2024</a:t>
+              <a:pPr/>
+              <a:t>6/7/2024</a:t>
             </a:fld>
             <a:endParaRPr lang="en-US"/>
           </a:p>
@@ -2771,6 +3220,7 @@
           <a:p>
             <a:fld id="{9BCFF83B-9C5B-43DB-983E-1A92CF4AA515}" type="slidenum">
               <a:rPr lang="en-US" smtClean="0"/>
+              <a:pPr/>
               <a:t>‹#›</a:t>
             </a:fld>
             <a:endParaRPr lang="en-US"/>
@@ -3052,7 +3502,8 @@
           <a:p>
             <a:fld id="{06E49DAA-0AE2-4421-B9A7-9F23E9B6FFE8}" type="datetimeFigureOut">
               <a:rPr lang="en-US" smtClean="0"/>
-              <a:t>6/6/2024</a:t>
+              <a:pPr/>
+              <a:t>6/7/2024</a:t>
             </a:fld>
             <a:endParaRPr lang="en-US"/>
           </a:p>
@@ -3075,6 +3526,7 @@
           <a:p>
             <a:fld id="{9BCFF83B-9C5B-43DB-983E-1A92CF4AA515}" type="slidenum">
               <a:rPr lang="en-US" smtClean="0"/>
+              <a:pPr/>
               <a:t>‹#›</a:t>
             </a:fld>
             <a:endParaRPr lang="en-US"/>
@@ -3142,7 +3594,8 @@
           <a:p>
             <a:fld id="{06E49DAA-0AE2-4421-B9A7-9F23E9B6FFE8}" type="datetimeFigureOut">
               <a:rPr lang="en-US" smtClean="0"/>
-              <a:t>6/6/2024</a:t>
+              <a:pPr/>
+              <a:t>6/7/2024</a:t>
             </a:fld>
             <a:endParaRPr lang="en-US"/>
           </a:p>
@@ -3184,6 +3637,7 @@
           <a:p>
             <a:fld id="{9BCFF83B-9C5B-43DB-983E-1A92CF4AA515}" type="slidenum">
               <a:rPr lang="en-US" smtClean="0"/>
+              <a:pPr/>
               <a:t>‹#›</a:t>
             </a:fld>
             <a:endParaRPr lang="en-US"/>
@@ -3659,7 +4113,8 @@
           <a:p>
             <a:fld id="{06E49DAA-0AE2-4421-B9A7-9F23E9B6FFE8}" type="datetimeFigureOut">
               <a:rPr lang="en-US" smtClean="0"/>
-              <a:t>6/6/2024</a:t>
+              <a:pPr/>
+              <a:t>6/7/2024</a:t>
             </a:fld>
             <a:endParaRPr lang="en-US"/>
           </a:p>
@@ -3682,6 +4137,7 @@
           <a:p>
             <a:fld id="{9BCFF83B-9C5B-43DB-983E-1A92CF4AA515}" type="slidenum">
               <a:rPr lang="en-US" smtClean="0"/>
+              <a:pPr/>
               <a:t>‹#›</a:t>
             </a:fld>
             <a:endParaRPr lang="en-US"/>
@@ -4170,7 +4626,8 @@
           <a:p>
             <a:fld id="{06E49DAA-0AE2-4421-B9A7-9F23E9B6FFE8}" type="datetimeFigureOut">
               <a:rPr lang="en-US" smtClean="0"/>
-              <a:t>6/6/2024</a:t>
+              <a:pPr/>
+              <a:t>6/7/2024</a:t>
             </a:fld>
             <a:endParaRPr lang="en-US"/>
           </a:p>
@@ -4193,6 +4650,7 @@
           <a:p>
             <a:fld id="{9BCFF83B-9C5B-43DB-983E-1A92CF4AA515}" type="slidenum">
               <a:rPr lang="en-US" smtClean="0"/>
+              <a:pPr/>
               <a:t>‹#›</a:t>
             </a:fld>
             <a:endParaRPr lang="en-US"/>
@@ -4415,7 +4873,8 @@
           <a:p>
             <a:fld id="{06E49DAA-0AE2-4421-B9A7-9F23E9B6FFE8}" type="datetimeFigureOut">
               <a:rPr lang="en-US" smtClean="0"/>
-              <a:t>6/6/2024</a:t>
+              <a:pPr/>
+              <a:t>6/7/2024</a:t>
             </a:fld>
             <a:endParaRPr lang="en-US"/>
           </a:p>
@@ -4691,6 +5150,7 @@
           <a:p>
             <a:fld id="{9BCFF83B-9C5B-43DB-983E-1A92CF4AA515}" type="slidenum">
               <a:rPr lang="en-US" smtClean="0"/>
+              <a:pPr/>
               <a:t>‹#›</a:t>
             </a:fld>
             <a:endParaRPr lang="en-US"/>
@@ -5043,13 +5503,13 @@
           <a:lstStyle/>
           <a:p>
             <a:r>
-              <a:rPr lang="en-US" sz="3600" dirty="0" smtClean="0">
+              <a:rPr lang="en-US" sz="3200" dirty="0" smtClean="0">
                 <a:latin typeface="Times New Roman" pitchFamily="18" charset="0"/>
                 <a:cs typeface="Times New Roman" pitchFamily="18" charset="0"/>
               </a:rPr>
               <a:t>Final Year Project Design</a:t>
             </a:r>
-            <a:endParaRPr lang="en-US" sz="3600" dirty="0">
+            <a:endParaRPr lang="en-US" sz="3200" dirty="0">
               <a:latin typeface="Times New Roman" pitchFamily="18" charset="0"/>
               <a:cs typeface="Times New Roman" pitchFamily="18" charset="0"/>
             </a:endParaRPr>
@@ -5068,8 +5528,8 @@
         </p:nvSpPr>
         <p:spPr>
           <a:xfrm>
-            <a:off x="2000232" y="2000240"/>
-            <a:ext cx="6858048" cy="4429156"/>
+            <a:off x="2000232" y="1785926"/>
+            <a:ext cx="6858048" cy="4643470"/>
           </a:xfrm>
         </p:spPr>
         <p:txBody>
@@ -5181,25 +5641,29 @@
           </a:p>
         </p:txBody>
       </p:sp>
-      <p:sp>
-        <p:nvSpPr>
-          <p:cNvPr id="3" name="Content Placeholder 2"/>
-          <p:cNvSpPr>
-            <a:spLocks noGrp="1"/>
-          </p:cNvSpPr>
+      <p:pic>
+        <p:nvPicPr>
+          <p:cNvPr id="4" name="Content Placeholder 3" descr="3tier4.png"/>
+          <p:cNvPicPr>
+            <a:picLocks noGrp="1" noChangeAspect="1"/>
+          </p:cNvPicPr>
           <p:nvPr>
             <p:ph sz="quarter" idx="1"/>
           </p:nvPr>
-        </p:nvSpPr>
-        <p:spPr/>
-        <p:txBody>
-          <a:bodyPr/>
-          <a:lstStyle/>
-          <a:p>
-            <a:endParaRPr lang="en-US"/>
-          </a:p>
-        </p:txBody>
-      </p:sp>
+        </p:nvPicPr>
+        <p:blipFill>
+          <a:blip r:embed="rId2"/>
+          <a:stretch>
+            <a:fillRect/>
+          </a:stretch>
+        </p:blipFill>
+        <p:spPr>
+          <a:xfrm>
+            <a:off x="2024050" y="1573190"/>
+            <a:ext cx="4333900" cy="4927644"/>
+          </a:xfrm>
+        </p:spPr>
+      </p:pic>
     </p:spTree>
   </p:cSld>
   <p:clrMapOvr>
@@ -5248,25 +5712,29 @@
           </a:p>
         </p:txBody>
       </p:sp>
-      <p:sp>
-        <p:nvSpPr>
-          <p:cNvPr id="3" name="Content Placeholder 2"/>
-          <p:cNvSpPr>
-            <a:spLocks noGrp="1"/>
-          </p:cNvSpPr>
+      <p:pic>
+        <p:nvPicPr>
+          <p:cNvPr id="4" name="Content Placeholder 3" descr="erd.png"/>
+          <p:cNvPicPr>
+            <a:picLocks noGrp="1" noChangeAspect="1"/>
+          </p:cNvPicPr>
           <p:nvPr>
             <p:ph sz="quarter" idx="1"/>
           </p:nvPr>
-        </p:nvSpPr>
-        <p:spPr/>
-        <p:txBody>
-          <a:bodyPr/>
-          <a:lstStyle/>
-          <a:p>
-            <a:endParaRPr lang="en-US"/>
-          </a:p>
-        </p:txBody>
-      </p:sp>
+        </p:nvPicPr>
+        <p:blipFill>
+          <a:blip r:embed="rId2" cstate="print"/>
+          <a:stretch>
+            <a:fillRect/>
+          </a:stretch>
+        </p:blipFill>
+        <p:spPr>
+          <a:xfrm>
+            <a:off x="785786" y="1444577"/>
+            <a:ext cx="7939366" cy="5270572"/>
+          </a:xfrm>
+        </p:spPr>
+      </p:pic>
     </p:spTree>
   </p:cSld>
   <p:clrMapOvr>
@@ -5307,33 +5775,443 @@
           <a:bodyPr/>
           <a:lstStyle/>
           <a:p>
+            <a:pPr algn="ctr"/>
+            <a:r>
+              <a:rPr lang="en-US" dirty="0" smtClean="0">
+                <a:solidFill>
+                  <a:schemeClr val="tx1"/>
+                </a:solidFill>
+                <a:latin typeface="Times New Roman" pitchFamily="18" charset="0"/>
+                <a:cs typeface="Times New Roman" pitchFamily="18" charset="0"/>
+              </a:rPr>
+              <a:t>Design </a:t>
+            </a:r>
+            <a:r>
+              <a:rPr lang="en-US" dirty="0" smtClean="0">
+                <a:solidFill>
+                  <a:schemeClr val="tx1"/>
+                </a:solidFill>
+                <a:latin typeface="Times New Roman" pitchFamily="18" charset="0"/>
+                <a:cs typeface="Times New Roman" pitchFamily="18" charset="0"/>
+              </a:rPr>
+              <a:t>Demonstration</a:t>
+            </a:r>
+            <a:br>
+              <a:rPr lang="en-US" dirty="0" smtClean="0">
+                <a:solidFill>
+                  <a:schemeClr val="tx1"/>
+                </a:solidFill>
+                <a:latin typeface="Times New Roman" pitchFamily="18" charset="0"/>
+                <a:cs typeface="Times New Roman" pitchFamily="18" charset="0"/>
+              </a:rPr>
+            </a:br>
+            <a:r>
+              <a:rPr lang="en-US" dirty="0" smtClean="0">
+                <a:solidFill>
+                  <a:schemeClr val="tx1"/>
+                </a:solidFill>
+                <a:latin typeface="Times New Roman" pitchFamily="18" charset="0"/>
+                <a:cs typeface="Times New Roman" pitchFamily="18" charset="0"/>
+              </a:rPr>
+              <a:t>Login form</a:t>
+            </a:r>
+            <a:endParaRPr lang="en-US" dirty="0">
+              <a:solidFill>
+                <a:schemeClr val="tx1"/>
+              </a:solidFill>
+              <a:latin typeface="Times New Roman" pitchFamily="18" charset="0"/>
+              <a:cs typeface="Times New Roman" pitchFamily="18" charset="0"/>
+            </a:endParaRPr>
+          </a:p>
+        </p:txBody>
+      </p:sp>
+      <p:pic>
+        <p:nvPicPr>
+          <p:cNvPr id="4" name="Content Placeholder 3" descr="login.png"/>
+          <p:cNvPicPr>
+            <a:picLocks noGrp="1" noChangeAspect="1"/>
+          </p:cNvPicPr>
+          <p:nvPr>
+            <p:ph sz="quarter" idx="1"/>
+          </p:nvPr>
+        </p:nvPicPr>
+        <p:blipFill>
+          <a:blip r:embed="rId2"/>
+          <a:stretch>
+            <a:fillRect/>
+          </a:stretch>
+        </p:blipFill>
+        <p:spPr>
+          <a:xfrm>
+            <a:off x="1282550" y="2287571"/>
+            <a:ext cx="5816899" cy="3498884"/>
+          </a:xfrm>
+        </p:spPr>
+      </p:pic>
+    </p:spTree>
+  </p:cSld>
+  <p:clrMapOvr>
+    <a:masterClrMapping/>
+  </p:clrMapOvr>
+</p:sld>
+</file>
+
+<file path=ppt/slides/slide13.xml><?xml version="1.0" encoding="utf-8"?>
+<p:sld xmlns:a="http://schemas.openxmlformats.org/drawingml/2006/main" xmlns:r="http://schemas.openxmlformats.org/officeDocument/2006/relationships" xmlns:p="http://schemas.openxmlformats.org/presentationml/2006/main">
+  <p:cSld>
+    <p:spTree>
+      <p:nvGrpSpPr>
+        <p:cNvPr id="1" name=""/>
+        <p:cNvGrpSpPr/>
+        <p:nvPr/>
+      </p:nvGrpSpPr>
+      <p:grpSpPr>
+        <a:xfrm>
+          <a:off x="0" y="0"/>
+          <a:ext cx="0" cy="0"/>
+          <a:chOff x="0" y="0"/>
+          <a:chExt cx="0" cy="0"/>
+        </a:xfrm>
+      </p:grpSpPr>
+      <p:sp>
+        <p:nvSpPr>
+          <p:cNvPr id="2" name="Title 1"/>
+          <p:cNvSpPr>
+            <a:spLocks noGrp="1"/>
+          </p:cNvSpPr>
+          <p:nvPr>
+            <p:ph type="title"/>
+          </p:nvPr>
+        </p:nvSpPr>
+        <p:spPr/>
+        <p:txBody>
+          <a:bodyPr/>
+          <a:lstStyle/>
+          <a:p>
+            <a:pPr algn="ctr"/>
+            <a:r>
+              <a:rPr lang="en-US" dirty="0" smtClean="0">
+                <a:solidFill>
+                  <a:schemeClr val="tx1"/>
+                </a:solidFill>
+              </a:rPr>
+              <a:t>Registration form</a:t>
+            </a:r>
+            <a:endParaRPr lang="en-US" dirty="0">
+              <a:solidFill>
+                <a:schemeClr val="tx1"/>
+              </a:solidFill>
+            </a:endParaRPr>
+          </a:p>
+        </p:txBody>
+      </p:sp>
+      <p:pic>
+        <p:nvPicPr>
+          <p:cNvPr id="4" name="Content Placeholder 3" descr="registration form.png"/>
+          <p:cNvPicPr>
+            <a:picLocks noGrp="1" noChangeAspect="1"/>
+          </p:cNvPicPr>
+          <p:nvPr>
+            <p:ph sz="quarter" idx="1"/>
+          </p:nvPr>
+        </p:nvPicPr>
+        <p:blipFill>
+          <a:blip r:embed="rId2"/>
+          <a:stretch>
+            <a:fillRect/>
+          </a:stretch>
+        </p:blipFill>
+        <p:spPr>
+          <a:xfrm>
+            <a:off x="2110794" y="1600200"/>
+            <a:ext cx="4160412" cy="4873625"/>
+          </a:xfrm>
+        </p:spPr>
+      </p:pic>
+    </p:spTree>
+  </p:cSld>
+  <p:clrMapOvr>
+    <a:masterClrMapping/>
+  </p:clrMapOvr>
+</p:sld>
+</file>
+
+<file path=ppt/slides/slide14.xml><?xml version="1.0" encoding="utf-8"?>
+<p:sld xmlns:a="http://schemas.openxmlformats.org/drawingml/2006/main" xmlns:r="http://schemas.openxmlformats.org/officeDocument/2006/relationships" xmlns:p="http://schemas.openxmlformats.org/presentationml/2006/main">
+  <p:cSld>
+    <p:spTree>
+      <p:nvGrpSpPr>
+        <p:cNvPr id="1" name=""/>
+        <p:cNvGrpSpPr/>
+        <p:nvPr/>
+      </p:nvGrpSpPr>
+      <p:grpSpPr>
+        <a:xfrm>
+          <a:off x="0" y="0"/>
+          <a:ext cx="0" cy="0"/>
+          <a:chOff x="0" y="0"/>
+          <a:chExt cx="0" cy="0"/>
+        </a:xfrm>
+      </p:grpSpPr>
+      <p:sp>
+        <p:nvSpPr>
+          <p:cNvPr id="2" name="Title 1"/>
+          <p:cNvSpPr>
+            <a:spLocks noGrp="1"/>
+          </p:cNvSpPr>
+          <p:nvPr>
+            <p:ph type="title"/>
+          </p:nvPr>
+        </p:nvSpPr>
+        <p:spPr/>
+        <p:txBody>
+          <a:bodyPr/>
+          <a:lstStyle/>
+          <a:p>
             <a:r>
               <a:rPr lang="en-US" dirty="0" smtClean="0"/>
-              <a:t>Design Demonstration</a:t>
+              <a:t>Change first password</a:t>
             </a:r>
             <a:endParaRPr lang="en-US" dirty="0"/>
           </a:p>
         </p:txBody>
       </p:sp>
-      <p:sp>
-        <p:nvSpPr>
-          <p:cNvPr id="3" name="Content Placeholder 2"/>
-          <p:cNvSpPr>
-            <a:spLocks noGrp="1"/>
-          </p:cNvSpPr>
+      <p:pic>
+        <p:nvPicPr>
+          <p:cNvPr id="4" name="Content Placeholder 3" descr="change password.png"/>
+          <p:cNvPicPr>
+            <a:picLocks noGrp="1" noChangeAspect="1"/>
+          </p:cNvPicPr>
           <p:nvPr>
             <p:ph sz="quarter" idx="1"/>
           </p:nvPr>
+        </p:nvPicPr>
+        <p:blipFill>
+          <a:blip r:embed="rId2"/>
+          <a:stretch>
+            <a:fillRect/>
+          </a:stretch>
+        </p:blipFill>
+        <p:spPr>
+          <a:xfrm>
+            <a:off x="1666860" y="2143116"/>
+            <a:ext cx="5048280" cy="3787792"/>
+          </a:xfrm>
+        </p:spPr>
+      </p:pic>
+    </p:spTree>
+  </p:cSld>
+  <p:clrMapOvr>
+    <a:masterClrMapping/>
+  </p:clrMapOvr>
+</p:sld>
+</file>
+
+<file path=ppt/slides/slide15.xml><?xml version="1.0" encoding="utf-8"?>
+<p:sld xmlns:a="http://schemas.openxmlformats.org/drawingml/2006/main" xmlns:r="http://schemas.openxmlformats.org/officeDocument/2006/relationships" xmlns:p="http://schemas.openxmlformats.org/presentationml/2006/main">
+  <p:cSld>
+    <p:spTree>
+      <p:nvGrpSpPr>
+        <p:cNvPr id="1" name=""/>
+        <p:cNvGrpSpPr/>
+        <p:nvPr/>
+      </p:nvGrpSpPr>
+      <p:grpSpPr>
+        <a:xfrm>
+          <a:off x="0" y="0"/>
+          <a:ext cx="0" cy="0"/>
+          <a:chOff x="0" y="0"/>
+          <a:chExt cx="0" cy="0"/>
+        </a:xfrm>
+      </p:grpSpPr>
+      <p:sp>
+        <p:nvSpPr>
+          <p:cNvPr id="2" name="Title 1"/>
+          <p:cNvSpPr>
+            <a:spLocks noGrp="1"/>
+          </p:cNvSpPr>
+          <p:nvPr>
+            <p:ph type="title"/>
+          </p:nvPr>
         </p:nvSpPr>
         <p:spPr/>
         <p:txBody>
           <a:bodyPr/>
           <a:lstStyle/>
           <a:p>
+            <a:r>
+              <a:rPr lang="en-US" dirty="0" smtClean="0"/>
+              <a:t>Users details</a:t>
+            </a:r>
             <a:endParaRPr lang="en-US" dirty="0"/>
           </a:p>
         </p:txBody>
       </p:sp>
+      <p:pic>
+        <p:nvPicPr>
+          <p:cNvPr id="4" name="Content Placeholder 3" descr="users.png"/>
+          <p:cNvPicPr>
+            <a:picLocks noGrp="1" noChangeAspect="1"/>
+          </p:cNvPicPr>
+          <p:nvPr>
+            <p:ph sz="quarter" idx="1"/>
+          </p:nvPr>
+        </p:nvPicPr>
+        <p:blipFill>
+          <a:blip r:embed="rId2"/>
+          <a:stretch>
+            <a:fillRect/>
+          </a:stretch>
+        </p:blipFill>
+        <p:spPr>
+          <a:xfrm>
+            <a:off x="357158" y="2071678"/>
+            <a:ext cx="8334428" cy="3927512"/>
+          </a:xfrm>
+        </p:spPr>
+      </p:pic>
+    </p:spTree>
+  </p:cSld>
+  <p:clrMapOvr>
+    <a:masterClrMapping/>
+  </p:clrMapOvr>
+</p:sld>
+</file>
+
+<file path=ppt/slides/slide16.xml><?xml version="1.0" encoding="utf-8"?>
+<p:sld xmlns:a="http://schemas.openxmlformats.org/drawingml/2006/main" xmlns:r="http://schemas.openxmlformats.org/officeDocument/2006/relationships" xmlns:p="http://schemas.openxmlformats.org/presentationml/2006/main">
+  <p:cSld>
+    <p:spTree>
+      <p:nvGrpSpPr>
+        <p:cNvPr id="1" name=""/>
+        <p:cNvGrpSpPr/>
+        <p:nvPr/>
+      </p:nvGrpSpPr>
+      <p:grpSpPr>
+        <a:xfrm>
+          <a:off x="0" y="0"/>
+          <a:ext cx="0" cy="0"/>
+          <a:chOff x="0" y="0"/>
+          <a:chExt cx="0" cy="0"/>
+        </a:xfrm>
+      </p:grpSpPr>
+      <p:sp>
+        <p:nvSpPr>
+          <p:cNvPr id="2" name="Title 1"/>
+          <p:cNvSpPr>
+            <a:spLocks noGrp="1"/>
+          </p:cNvSpPr>
+          <p:nvPr>
+            <p:ph type="title"/>
+          </p:nvPr>
+        </p:nvSpPr>
+        <p:spPr/>
+        <p:txBody>
+          <a:bodyPr/>
+          <a:lstStyle/>
+          <a:p>
+            <a:r>
+              <a:rPr lang="en-US" dirty="0" smtClean="0"/>
+              <a:t>Update users</a:t>
+            </a:r>
+            <a:endParaRPr lang="en-US" dirty="0"/>
+          </a:p>
+        </p:txBody>
+      </p:sp>
+      <p:pic>
+        <p:nvPicPr>
+          <p:cNvPr id="4" name="Content Placeholder 3" descr="edit user.png"/>
+          <p:cNvPicPr>
+            <a:picLocks noGrp="1" noChangeAspect="1"/>
+          </p:cNvPicPr>
+          <p:nvPr>
+            <p:ph sz="quarter" idx="1"/>
+          </p:nvPr>
+        </p:nvPicPr>
+        <p:blipFill>
+          <a:blip r:embed="rId2"/>
+          <a:stretch>
+            <a:fillRect/>
+          </a:stretch>
+        </p:blipFill>
+        <p:spPr>
+          <a:xfrm>
+            <a:off x="1149193" y="1712793"/>
+            <a:ext cx="6083613" cy="4648439"/>
+          </a:xfrm>
+        </p:spPr>
+      </p:pic>
+    </p:spTree>
+  </p:cSld>
+  <p:clrMapOvr>
+    <a:masterClrMapping/>
+  </p:clrMapOvr>
+</p:sld>
+</file>
+
+<file path=ppt/slides/slide17.xml><?xml version="1.0" encoding="utf-8"?>
+<p:sld xmlns:a="http://schemas.openxmlformats.org/drawingml/2006/main" xmlns:r="http://schemas.openxmlformats.org/officeDocument/2006/relationships" xmlns:p="http://schemas.openxmlformats.org/presentationml/2006/main">
+  <p:cSld>
+    <p:spTree>
+      <p:nvGrpSpPr>
+        <p:cNvPr id="1" name=""/>
+        <p:cNvGrpSpPr/>
+        <p:nvPr/>
+      </p:nvGrpSpPr>
+      <p:grpSpPr>
+        <a:xfrm>
+          <a:off x="0" y="0"/>
+          <a:ext cx="0" cy="0"/>
+          <a:chOff x="0" y="0"/>
+          <a:chExt cx="0" cy="0"/>
+        </a:xfrm>
+      </p:grpSpPr>
+      <p:sp>
+        <p:nvSpPr>
+          <p:cNvPr id="2" name="Title 1"/>
+          <p:cNvSpPr>
+            <a:spLocks noGrp="1"/>
+          </p:cNvSpPr>
+          <p:nvPr>
+            <p:ph type="title"/>
+          </p:nvPr>
+        </p:nvSpPr>
+        <p:spPr/>
+        <p:txBody>
+          <a:bodyPr/>
+          <a:lstStyle/>
+          <a:p>
+            <a:r>
+              <a:rPr lang="en-US" dirty="0" smtClean="0"/>
+              <a:t>Delete users</a:t>
+            </a:r>
+            <a:endParaRPr lang="en-US" dirty="0"/>
+          </a:p>
+        </p:txBody>
+      </p:sp>
+      <p:pic>
+        <p:nvPicPr>
+          <p:cNvPr id="4" name="Content Placeholder 3" descr="delete user.png"/>
+          <p:cNvPicPr>
+            <a:picLocks noGrp="1" noChangeAspect="1"/>
+          </p:cNvPicPr>
+          <p:nvPr>
+            <p:ph sz="quarter" idx="1"/>
+          </p:nvPr>
+        </p:nvPicPr>
+        <p:blipFill>
+          <a:blip r:embed="rId2"/>
+          <a:stretch>
+            <a:fillRect/>
+          </a:stretch>
+        </p:blipFill>
+        <p:spPr>
+          <a:xfrm>
+            <a:off x="968209" y="3128916"/>
+            <a:ext cx="6445581" cy="2157472"/>
+          </a:xfrm>
+        </p:spPr>
+      </p:pic>
     </p:spTree>
   </p:cSld>
   <p:clrMapOvr>
@@ -5376,12 +6254,18 @@
           <a:p>
             <a:r>
               <a:rPr lang="en-US" dirty="0" smtClean="0">
+                <a:solidFill>
+                  <a:schemeClr val="tx1"/>
+                </a:solidFill>
                 <a:latin typeface="Times New Roman" pitchFamily="18" charset="0"/>
                 <a:cs typeface="Times New Roman" pitchFamily="18" charset="0"/>
               </a:rPr>
               <a:t>Introduction</a:t>
             </a:r>
             <a:endParaRPr lang="en-US" dirty="0">
+              <a:solidFill>
+                <a:schemeClr val="tx1"/>
+              </a:solidFill>
               <a:latin typeface="Times New Roman" pitchFamily="18" charset="0"/>
               <a:cs typeface="Times New Roman" pitchFamily="18" charset="0"/>
             </a:endParaRPr>
@@ -5400,10 +6284,91 @@
         </p:nvSpPr>
         <p:spPr/>
         <p:txBody>
-          <a:bodyPr/>
-          <a:lstStyle/>
-          <a:p>
-            <a:endParaRPr lang="en-US"/>
+          <a:bodyPr>
+            <a:normAutofit/>
+          </a:bodyPr>
+          <a:lstStyle/>
+          <a:p>
+            <a:r>
+              <a:rPr lang="en-US" sz="1800" dirty="0" smtClean="0">
+                <a:latin typeface="Times New Roman" pitchFamily="18" charset="0"/>
+                <a:cs typeface="Times New Roman" pitchFamily="18" charset="0"/>
+              </a:rPr>
+              <a:t>An agriculture management system aims to provide farmers with valuable data and analysis to enhance decision-making in crop management</a:t>
+            </a:r>
+            <a:r>
+              <a:rPr lang="en-US" sz="1800" dirty="0" smtClean="0">
+                <a:latin typeface="Times New Roman" pitchFamily="18" charset="0"/>
+                <a:cs typeface="Times New Roman" pitchFamily="18" charset="0"/>
+              </a:rPr>
+              <a:t>.</a:t>
+            </a:r>
+          </a:p>
+          <a:p>
+            <a:pPr lvl="0"/>
+            <a:r>
+              <a:rPr lang="en-US" sz="1800" dirty="0" smtClean="0">
+                <a:latin typeface="Times New Roman" pitchFamily="18" charset="0"/>
+                <a:cs typeface="Times New Roman" pitchFamily="18" charset="0"/>
+              </a:rPr>
+              <a:t>The existing </a:t>
+            </a:r>
+            <a:r>
+              <a:rPr lang="en-US" sz="1800" dirty="0" smtClean="0">
+                <a:latin typeface="Times New Roman" pitchFamily="18" charset="0"/>
+                <a:cs typeface="Times New Roman" pitchFamily="18" charset="0"/>
+              </a:rPr>
+              <a:t>systems focus </a:t>
+            </a:r>
+            <a:r>
+              <a:rPr lang="en-US" sz="1800" dirty="0" smtClean="0">
+                <a:latin typeface="Times New Roman" pitchFamily="18" charset="0"/>
+                <a:cs typeface="Times New Roman" pitchFamily="18" charset="0"/>
+              </a:rPr>
+              <a:t>on explaining the importance of crops and their </a:t>
+            </a:r>
+            <a:r>
+              <a:rPr lang="en-US" sz="1800" dirty="0" smtClean="0">
+                <a:latin typeface="Times New Roman" pitchFamily="18" charset="0"/>
+                <a:cs typeface="Times New Roman" pitchFamily="18" charset="0"/>
+              </a:rPr>
+              <a:t>safety, they lack detailed </a:t>
+            </a:r>
+            <a:r>
+              <a:rPr lang="en-US" sz="1800" dirty="0" smtClean="0">
+                <a:latin typeface="Times New Roman" pitchFamily="18" charset="0"/>
+                <a:cs typeface="Times New Roman" pitchFamily="18" charset="0"/>
+              </a:rPr>
+              <a:t>budget template for crop cultivation, making it challenging for farmers to input and track their expenses.</a:t>
+            </a:r>
+          </a:p>
+          <a:p>
+            <a:r>
+              <a:rPr lang="en-US" sz="1800" dirty="0" smtClean="0">
+                <a:latin typeface="Times New Roman" pitchFamily="18" charset="0"/>
+                <a:cs typeface="Times New Roman" pitchFamily="18" charset="0"/>
+              </a:rPr>
+              <a:t>Hence, I decided to develop a system which enable farmers to input post harvest data, expenses, and it will provide local store details where the farmers can go and get the best seeds and so on.</a:t>
+            </a:r>
+          </a:p>
+          <a:p>
+            <a:r>
+              <a:rPr lang="en-US" sz="1800" dirty="0" smtClean="0">
+                <a:latin typeface="Times New Roman" pitchFamily="18" charset="0"/>
+                <a:cs typeface="Times New Roman" pitchFamily="18" charset="0"/>
+              </a:rPr>
+              <a:t>There will be registered contributors who are experts in agriculture who will be able to add information based on agriculture like when to start farming and when to harvest in order to get profit.</a:t>
+            </a:r>
+            <a:endParaRPr lang="en-US" sz="1800" dirty="0" smtClean="0">
+              <a:latin typeface="Times New Roman" pitchFamily="18" charset="0"/>
+              <a:cs typeface="Times New Roman" pitchFamily="18" charset="0"/>
+            </a:endParaRPr>
+          </a:p>
+          <a:p>
+            <a:endParaRPr lang="en-US" sz="1800" dirty="0">
+              <a:latin typeface="Times New Roman" pitchFamily="18" charset="0"/>
+              <a:cs typeface="Times New Roman" pitchFamily="18" charset="0"/>
+            </a:endParaRPr>
           </a:p>
         </p:txBody>
       </p:sp>
@@ -5448,10 +6413,22 @@
           <a:lstStyle/>
           <a:p>
             <a:r>
-              <a:rPr lang="en-US" dirty="0" smtClean="0"/>
+              <a:rPr lang="en-US" dirty="0" smtClean="0">
+                <a:solidFill>
+                  <a:schemeClr val="tx1"/>
+                </a:solidFill>
+                <a:latin typeface="Times New Roman" pitchFamily="18" charset="0"/>
+                <a:cs typeface="Times New Roman" pitchFamily="18" charset="0"/>
+              </a:rPr>
               <a:t>Feasibility Study Report Summary</a:t>
             </a:r>
-            <a:endParaRPr lang="en-US" dirty="0"/>
+            <a:endParaRPr lang="en-US" dirty="0">
+              <a:solidFill>
+                <a:schemeClr val="tx1"/>
+              </a:solidFill>
+              <a:latin typeface="Times New Roman" pitchFamily="18" charset="0"/>
+              <a:cs typeface="Times New Roman" pitchFamily="18" charset="0"/>
+            </a:endParaRPr>
           </a:p>
         </p:txBody>
       </p:sp>
@@ -5467,10 +6444,69 @@
         </p:nvSpPr>
         <p:spPr/>
         <p:txBody>
-          <a:bodyPr/>
-          <a:lstStyle/>
-          <a:p>
-            <a:endParaRPr lang="en-US"/>
+          <a:bodyPr>
+            <a:normAutofit/>
+          </a:bodyPr>
+          <a:lstStyle/>
+          <a:p>
+            <a:r>
+              <a:rPr lang="en-US" sz="1800" dirty="0" smtClean="0">
+                <a:latin typeface="Times New Roman" pitchFamily="18" charset="0"/>
+                <a:cs typeface="Times New Roman" pitchFamily="18" charset="0"/>
+              </a:rPr>
+              <a:t>Technically, the project  can be performed as there is availability of hardware and software needed, and the one to implement the system is also available with required skills.</a:t>
+            </a:r>
+          </a:p>
+          <a:p>
+            <a:r>
+              <a:rPr lang="en-US" sz="1800" dirty="0" smtClean="0">
+                <a:latin typeface="Times New Roman" pitchFamily="18" charset="0"/>
+                <a:cs typeface="Times New Roman" pitchFamily="18" charset="0"/>
+              </a:rPr>
+              <a:t>Economically, the system doesn’t need huge amount of money, and it will help to reduce the loss which most of the farmers face due to lack of tracking expenses tools and due to farming in wrong seasons because of lack of information.</a:t>
+            </a:r>
+          </a:p>
+          <a:p>
+            <a:r>
+              <a:rPr lang="en-US" sz="1800" dirty="0" smtClean="0">
+                <a:latin typeface="Times New Roman" pitchFamily="18" charset="0"/>
+                <a:cs typeface="Times New Roman" pitchFamily="18" charset="0"/>
+              </a:rPr>
+              <a:t>Legally, the system doesn’t  have any </a:t>
+            </a:r>
+            <a:r>
+              <a:rPr lang="en-US" sz="1800" dirty="0" smtClean="0">
+                <a:latin typeface="Times New Roman" pitchFamily="18" charset="0"/>
+                <a:cs typeface="Times New Roman" pitchFamily="18" charset="0"/>
+              </a:rPr>
+              <a:t>conflict with </a:t>
+            </a:r>
+            <a:r>
+              <a:rPr lang="en-US" sz="1800" dirty="0" smtClean="0">
+                <a:latin typeface="Times New Roman" pitchFamily="18" charset="0"/>
+                <a:cs typeface="Times New Roman" pitchFamily="18" charset="0"/>
+              </a:rPr>
+              <a:t>legal issues </a:t>
+            </a:r>
+            <a:r>
+              <a:rPr lang="en-US" sz="1800" dirty="0" smtClean="0">
+                <a:latin typeface="Times New Roman" pitchFamily="18" charset="0"/>
+                <a:cs typeface="Times New Roman" pitchFamily="18" charset="0"/>
+              </a:rPr>
+              <a:t>and it is </a:t>
+            </a:r>
+            <a:r>
+              <a:rPr lang="en-US" sz="1800" dirty="0" smtClean="0"/>
+              <a:t>legally </a:t>
+            </a:r>
+            <a:r>
+              <a:rPr lang="en-US" sz="1800" dirty="0" smtClean="0"/>
+              <a:t>acceptable by laws </a:t>
+            </a:r>
+            <a:endParaRPr lang="en-US" sz="1800" dirty="0">
+              <a:latin typeface="Times New Roman" pitchFamily="18" charset="0"/>
+              <a:cs typeface="Times New Roman" pitchFamily="18" charset="0"/>
+            </a:endParaRPr>
           </a:p>
         </p:txBody>
       </p:sp>
@@ -5549,14 +6585,7 @@
                 <a:latin typeface="Times New Roman" pitchFamily="18" charset="0"/>
                 <a:cs typeface="Times New Roman" pitchFamily="18" charset="0"/>
               </a:rPr>
-              <a:t>Agile breaks down larger projects into small, manageable chunks called iterations. </a:t>
-            </a:r>
-            <a:r>
-              <a:rPr lang="en-GB" sz="1800" dirty="0" smtClean="0">
-                <a:latin typeface="Times New Roman" pitchFamily="18" charset="0"/>
-                <a:cs typeface="Times New Roman" pitchFamily="18" charset="0"/>
-              </a:rPr>
-              <a:t>The highest priority is to satisfy customer, it easily adapt to changes.</a:t>
+              <a:t>Agile breaks down larger projects into small, manageable chunks called iterations. The highest priority is to satisfy customer and it easily adapt to changes.</a:t>
             </a:r>
           </a:p>
           <a:p>
@@ -5637,14 +6666,22 @@
           <a:lstStyle/>
           <a:p>
             <a:r>
-              <a:rPr lang="en-US" dirty="0" smtClean="0"/>
-              <a:t>Functional </a:t>
-            </a:r>
-            <a:r>
-              <a:rPr lang="en-US" dirty="0" smtClean="0"/>
-              <a:t>requirements</a:t>
-            </a:r>
-            <a:endParaRPr lang="en-US" dirty="0"/>
+              <a:rPr lang="en-US" dirty="0" smtClean="0">
+                <a:solidFill>
+                  <a:schemeClr val="tx1"/>
+                </a:solidFill>
+                <a:latin typeface="Times New Roman" pitchFamily="18" charset="0"/>
+                <a:cs typeface="Times New Roman" pitchFamily="18" charset="0"/>
+              </a:rPr>
+              <a:t>Functional requirements</a:t>
+            </a:r>
+            <a:endParaRPr lang="en-US" dirty="0">
+              <a:solidFill>
+                <a:schemeClr val="tx1"/>
+              </a:solidFill>
+              <a:latin typeface="Times New Roman" pitchFamily="18" charset="0"/>
+              <a:cs typeface="Times New Roman" pitchFamily="18" charset="0"/>
+            </a:endParaRPr>
           </a:p>
         </p:txBody>
       </p:sp>
@@ -5658,12 +6695,158 @@
             <p:ph sz="quarter" idx="1"/>
           </p:nvPr>
         </p:nvSpPr>
-        <p:spPr/>
-        <p:txBody>
-          <a:bodyPr/>
-          <a:lstStyle/>
-          <a:p>
-            <a:endParaRPr lang="en-US"/>
+        <p:spPr>
+          <a:xfrm>
+            <a:off x="457200" y="1428736"/>
+            <a:ext cx="7467600" cy="5045216"/>
+          </a:xfrm>
+        </p:spPr>
+        <p:txBody>
+          <a:bodyPr>
+            <a:normAutofit/>
+          </a:bodyPr>
+          <a:lstStyle/>
+          <a:p>
+            <a:pPr>
+              <a:buNone/>
+            </a:pPr>
+            <a:endParaRPr lang="en-US" sz="1600" dirty="0" smtClean="0">
+              <a:latin typeface="Times New Roman" pitchFamily="18" charset="0"/>
+              <a:cs typeface="Times New Roman" pitchFamily="18" charset="0"/>
+            </a:endParaRPr>
+          </a:p>
+          <a:p>
+            <a:pPr lvl="1">
+              <a:buFont typeface="Arial" pitchFamily="34" charset="0"/>
+              <a:buChar char="•"/>
+            </a:pPr>
+            <a:r>
+              <a:rPr lang="en-US" sz="1600" dirty="0" smtClean="0">
+                <a:latin typeface="Times New Roman" pitchFamily="18" charset="0"/>
+                <a:cs typeface="Times New Roman" pitchFamily="18" charset="0"/>
+              </a:rPr>
+              <a:t>Farmers should be able to create accounts, log in securely, and manage their profiles.</a:t>
+            </a:r>
+          </a:p>
+          <a:p>
+            <a:pPr lvl="1">
+              <a:buFont typeface="Arial" pitchFamily="34" charset="0"/>
+              <a:buChar char="•"/>
+            </a:pPr>
+            <a:r>
+              <a:rPr lang="en-US" sz="1600" dirty="0" smtClean="0">
+                <a:latin typeface="Times New Roman" pitchFamily="18" charset="0"/>
+                <a:cs typeface="Times New Roman" pitchFamily="18" charset="0"/>
+              </a:rPr>
+              <a:t>User roles should be defined, such as regular farmers, administrators, and contributors.</a:t>
+            </a:r>
+          </a:p>
+          <a:p>
+            <a:pPr lvl="1">
+              <a:buFont typeface="Arial" pitchFamily="34" charset="0"/>
+              <a:buChar char="•"/>
+            </a:pPr>
+            <a:r>
+              <a:rPr lang="en-US" sz="1600" dirty="0" smtClean="0">
+                <a:latin typeface="Times New Roman" pitchFamily="18" charset="0"/>
+                <a:cs typeface="Times New Roman" pitchFamily="18" charset="0"/>
+              </a:rPr>
+              <a:t>farmers should be able to input expenses related to crop cultivation.</a:t>
+            </a:r>
+          </a:p>
+          <a:p>
+            <a:pPr lvl="1">
+              <a:buFont typeface="Arial" pitchFamily="34" charset="0"/>
+              <a:buChar char="•"/>
+            </a:pPr>
+            <a:r>
+              <a:rPr lang="en-US" sz="1600" dirty="0" smtClean="0">
+                <a:latin typeface="Times New Roman" pitchFamily="18" charset="0"/>
+                <a:cs typeface="Times New Roman" pitchFamily="18" charset="0"/>
+              </a:rPr>
+              <a:t>Farmers should be able to input data post-harvest such as sales and profits.</a:t>
+            </a:r>
+          </a:p>
+          <a:p>
+            <a:pPr lvl="1">
+              <a:buFont typeface="Arial" pitchFamily="34" charset="0"/>
+              <a:buChar char="•"/>
+            </a:pPr>
+            <a:r>
+              <a:rPr lang="en-US" sz="1600" dirty="0" smtClean="0">
+                <a:latin typeface="Times New Roman" pitchFamily="18" charset="0"/>
+                <a:cs typeface="Times New Roman" pitchFamily="18" charset="0"/>
+              </a:rPr>
+              <a:t>It should include directory of local </a:t>
+            </a:r>
+            <a:r>
+              <a:rPr lang="en-US" sz="1600" dirty="0" smtClean="0">
+                <a:latin typeface="Times New Roman" pitchFamily="18" charset="0"/>
+                <a:cs typeface="Times New Roman" pitchFamily="18" charset="0"/>
+              </a:rPr>
+              <a:t>stores.</a:t>
+            </a:r>
+          </a:p>
+          <a:p>
+            <a:pPr lvl="1">
+              <a:buFont typeface="Arial" pitchFamily="34" charset="0"/>
+              <a:buChar char="•"/>
+            </a:pPr>
+            <a:r>
+              <a:rPr lang="en-US" sz="1600" dirty="0" smtClean="0">
+                <a:latin typeface="Times New Roman" pitchFamily="18" charset="0"/>
+                <a:cs typeface="Times New Roman" pitchFamily="18" charset="0"/>
+              </a:rPr>
+              <a:t>Farmers should be able to give comment related to local store.</a:t>
+            </a:r>
+            <a:endParaRPr lang="en-US" sz="1600" dirty="0" smtClean="0">
+              <a:latin typeface="Times New Roman" pitchFamily="18" charset="0"/>
+              <a:cs typeface="Times New Roman" pitchFamily="18" charset="0"/>
+            </a:endParaRPr>
+          </a:p>
+          <a:p>
+            <a:pPr lvl="1">
+              <a:buFont typeface="Arial" pitchFamily="34" charset="0"/>
+              <a:buChar char="•"/>
+            </a:pPr>
+            <a:r>
+              <a:rPr lang="en-US" sz="1600" dirty="0" smtClean="0">
+                <a:latin typeface="Times New Roman" pitchFamily="18" charset="0"/>
+                <a:cs typeface="Times New Roman" pitchFamily="18" charset="0"/>
+              </a:rPr>
+              <a:t>It should include information </a:t>
+            </a:r>
+            <a:r>
+              <a:rPr lang="en-US" sz="1600" dirty="0" smtClean="0">
+                <a:latin typeface="Times New Roman" pitchFamily="18" charset="0"/>
+                <a:cs typeface="Times New Roman" pitchFamily="18" charset="0"/>
+              </a:rPr>
+              <a:t>on crop varieties, cultivation techniques, pest management, and safety measures</a:t>
+            </a:r>
+            <a:endParaRPr lang="en-US" sz="1600" dirty="0" smtClean="0">
+              <a:latin typeface="Times New Roman" pitchFamily="18" charset="0"/>
+              <a:cs typeface="Times New Roman" pitchFamily="18" charset="0"/>
+            </a:endParaRPr>
+          </a:p>
+          <a:p>
+            <a:pPr lvl="1">
+              <a:buFont typeface="Arial" pitchFamily="34" charset="0"/>
+              <a:buChar char="•"/>
+            </a:pPr>
+            <a:endParaRPr lang="en-US" sz="1600" dirty="0" smtClean="0">
+              <a:latin typeface="Times New Roman" pitchFamily="18" charset="0"/>
+              <a:cs typeface="Times New Roman" pitchFamily="18" charset="0"/>
+            </a:endParaRPr>
+          </a:p>
+          <a:p>
+            <a:pPr lvl="1">
+              <a:buFont typeface="Arial" pitchFamily="34" charset="0"/>
+              <a:buChar char="•"/>
+            </a:pPr>
+            <a:endParaRPr lang="en-US" sz="1600" dirty="0">
+              <a:latin typeface="Times New Roman" pitchFamily="18" charset="0"/>
+              <a:cs typeface="Times New Roman" pitchFamily="18" charset="0"/>
+            </a:endParaRPr>
           </a:p>
         </p:txBody>
       </p:sp>
@@ -5704,14 +6887,22 @@
         </p:nvSpPr>
         <p:spPr/>
         <p:txBody>
-          <a:bodyPr/>
-          <a:lstStyle/>
-          <a:p>
-            <a:r>
-              <a:rPr lang="en-US" dirty="0" smtClean="0"/>
+          <a:bodyPr>
+            <a:normAutofit/>
+          </a:bodyPr>
+          <a:lstStyle/>
+          <a:p>
+            <a:r>
+              <a:rPr lang="en-US" sz="2800" dirty="0" smtClean="0">
+                <a:latin typeface="Times New Roman" pitchFamily="18" charset="0"/>
+                <a:cs typeface="Times New Roman" pitchFamily="18" charset="0"/>
+              </a:rPr>
               <a:t>Non-functional requirement</a:t>
             </a:r>
-            <a:endParaRPr lang="en-US" dirty="0"/>
+            <a:endParaRPr lang="en-US" sz="2800" dirty="0">
+              <a:latin typeface="Times New Roman" pitchFamily="18" charset="0"/>
+              <a:cs typeface="Times New Roman" pitchFamily="18" charset="0"/>
+            </a:endParaRPr>
           </a:p>
         </p:txBody>
       </p:sp>
@@ -5727,10 +6918,120 @@
         </p:nvSpPr>
         <p:spPr/>
         <p:txBody>
-          <a:bodyPr/>
-          <a:lstStyle/>
-          <a:p>
-            <a:endParaRPr lang="en-US"/>
+          <a:bodyPr>
+            <a:normAutofit/>
+          </a:bodyPr>
+          <a:lstStyle/>
+          <a:p>
+            <a:endParaRPr lang="en-US" sz="2000" dirty="0" smtClean="0">
+              <a:latin typeface="Times New Roman" pitchFamily="18" charset="0"/>
+              <a:cs typeface="Times New Roman" pitchFamily="18" charset="0"/>
+            </a:endParaRPr>
+          </a:p>
+          <a:p>
+            <a:pPr lvl="1"/>
+            <a:r>
+              <a:rPr lang="en-US" sz="2000" b="1" dirty="0" smtClean="0">
+                <a:latin typeface="Times New Roman" pitchFamily="18" charset="0"/>
+                <a:cs typeface="Times New Roman" pitchFamily="18" charset="0"/>
+              </a:rPr>
+              <a:t>Fault Tolerance:</a:t>
+            </a:r>
+            <a:r>
+              <a:rPr lang="en-US" sz="2000" dirty="0" smtClean="0">
+                <a:latin typeface="Times New Roman" pitchFamily="18" charset="0"/>
+                <a:cs typeface="Times New Roman" pitchFamily="18" charset="0"/>
+              </a:rPr>
+              <a:t> Implement mechanisms to handle system failures gracefully, ensuring minimal disruption to users.</a:t>
+            </a:r>
+          </a:p>
+          <a:p>
+            <a:pPr lvl="1"/>
+            <a:r>
+              <a:rPr lang="en-US" sz="2000" b="1" dirty="0" smtClean="0">
+                <a:latin typeface="Times New Roman" pitchFamily="18" charset="0"/>
+                <a:cs typeface="Times New Roman" pitchFamily="18" charset="0"/>
+              </a:rPr>
+              <a:t>Response Time:</a:t>
+            </a:r>
+            <a:r>
+              <a:rPr lang="en-US" sz="2000" dirty="0" smtClean="0">
+                <a:latin typeface="Times New Roman" pitchFamily="18" charset="0"/>
+                <a:cs typeface="Times New Roman" pitchFamily="18" charset="0"/>
+              </a:rPr>
+              <a:t> The system should provide quick responses to user interactions, with minimal latency.</a:t>
+            </a:r>
+          </a:p>
+          <a:p>
+            <a:pPr lvl="1"/>
+            <a:r>
+              <a:rPr lang="en-US" sz="2000" b="1" dirty="0" smtClean="0">
+                <a:latin typeface="Times New Roman" pitchFamily="18" charset="0"/>
+                <a:cs typeface="Times New Roman" pitchFamily="18" charset="0"/>
+              </a:rPr>
+              <a:t>Scalability:</a:t>
+            </a:r>
+            <a:r>
+              <a:rPr lang="en-US" sz="2000" dirty="0" smtClean="0">
+                <a:latin typeface="Times New Roman" pitchFamily="18" charset="0"/>
+                <a:cs typeface="Times New Roman" pitchFamily="18" charset="0"/>
+              </a:rPr>
+              <a:t> The system should be scalable to handle an increasing number of users and data over time.</a:t>
+            </a:r>
+          </a:p>
+          <a:p>
+            <a:pPr lvl="1"/>
+            <a:r>
+              <a:rPr lang="en-US" sz="2000" b="1" dirty="0" smtClean="0">
+                <a:latin typeface="Times New Roman" pitchFamily="18" charset="0"/>
+                <a:cs typeface="Times New Roman" pitchFamily="18" charset="0"/>
+              </a:rPr>
+              <a:t>Throughput:</a:t>
+            </a:r>
+            <a:r>
+              <a:rPr lang="en-US" sz="2000" dirty="0" smtClean="0">
+                <a:latin typeface="Times New Roman" pitchFamily="18" charset="0"/>
+                <a:cs typeface="Times New Roman" pitchFamily="18" charset="0"/>
+              </a:rPr>
+              <a:t> Ensure that the system can efficiently process a large number of simultaneous transactions.</a:t>
+            </a:r>
+          </a:p>
+          <a:p>
+            <a:pPr lvl="1"/>
+            <a:r>
+              <a:rPr lang="en-US" sz="2000" b="1" dirty="0" smtClean="0">
+                <a:latin typeface="Times New Roman" pitchFamily="18" charset="0"/>
+                <a:cs typeface="Times New Roman" pitchFamily="18" charset="0"/>
+              </a:rPr>
+              <a:t>Access Controls:</a:t>
+            </a:r>
+            <a:r>
+              <a:rPr lang="en-US" sz="2000" dirty="0" smtClean="0">
+                <a:latin typeface="Times New Roman" pitchFamily="18" charset="0"/>
+                <a:cs typeface="Times New Roman" pitchFamily="18" charset="0"/>
+              </a:rPr>
+              <a:t> Define and enforce access controls to ensure that users can only access data and functionalities relevant to their roles.</a:t>
+            </a:r>
+          </a:p>
+          <a:p>
+            <a:pPr lvl="1"/>
+            <a:endParaRPr lang="en-US" sz="2000" dirty="0" smtClean="0">
+              <a:latin typeface="Times New Roman" pitchFamily="18" charset="0"/>
+              <a:cs typeface="Times New Roman" pitchFamily="18" charset="0"/>
+            </a:endParaRPr>
+          </a:p>
+          <a:p>
+            <a:pPr lvl="1"/>
+            <a:endParaRPr lang="en-US" sz="2000" dirty="0" smtClean="0">
+              <a:latin typeface="Times New Roman" pitchFamily="18" charset="0"/>
+              <a:cs typeface="Times New Roman" pitchFamily="18" charset="0"/>
+            </a:endParaRPr>
+          </a:p>
+          <a:p>
+            <a:endParaRPr lang="en-US" sz="2000" dirty="0">
+              <a:latin typeface="Times New Roman" pitchFamily="18" charset="0"/>
+              <a:cs typeface="Times New Roman" pitchFamily="18" charset="0"/>
+            </a:endParaRPr>
           </a:p>
         </p:txBody>
       </p:sp>
@@ -5777,29 +7078,39 @@
         </p:spPr>
         <p:txBody>
           <a:bodyPr>
-            <a:normAutofit fontScale="90000"/>
+            <a:normAutofit/>
           </a:bodyPr>
           <a:lstStyle/>
           <a:p>
             <a:r>
+              <a:rPr lang="en-US" dirty="0" smtClean="0">
+                <a:latin typeface="Times New Roman" pitchFamily="18" charset="0"/>
+                <a:cs typeface="Times New Roman" pitchFamily="18" charset="0"/>
+              </a:rPr>
+              <a:t>Requirement Modeling</a:t>
+            </a:r>
+            <a:r>
               <a:rPr lang="en-US" dirty="0" smtClean="0"/>
-              <a:t>Requirement </a:t>
-            </a:r>
-            <a:r>
-              <a:rPr lang="en-US" dirty="0" smtClean="0"/>
-              <a:t>Modeling</a:t>
+              <a:t/>
             </a:r>
             <a:br>
               <a:rPr lang="en-US" dirty="0" smtClean="0"/>
             </a:br>
             <a:r>
-              <a:rPr lang="en-US" sz="3600" dirty="0" smtClean="0">
+              <a:rPr lang="en-US" sz="2200" dirty="0" smtClean="0">
                 <a:latin typeface="Times New Roman" pitchFamily="18" charset="0"/>
                 <a:cs typeface="Times New Roman" pitchFamily="18" charset="0"/>
               </a:rPr>
-              <a:t>USE CASE</a:t>
-            </a:r>
-            <a:endParaRPr lang="en-US" sz="3600" dirty="0">
+              <a:t>USE </a:t>
+            </a:r>
+            <a:r>
+              <a:rPr lang="en-US" sz="2200" dirty="0" smtClean="0">
+                <a:latin typeface="Times New Roman" pitchFamily="18" charset="0"/>
+                <a:cs typeface="Times New Roman" pitchFamily="18" charset="0"/>
+              </a:rPr>
+              <a:t>CASE DIAGRAM</a:t>
+            </a:r>
+            <a:endParaRPr lang="en-US" sz="2200" dirty="0">
               <a:latin typeface="Times New Roman" pitchFamily="18" charset="0"/>
               <a:cs typeface="Times New Roman" pitchFamily="18" charset="0"/>
             </a:endParaRPr>
@@ -5857,25 +7168,6 @@
       </p:grpSpPr>
       <p:sp>
         <p:nvSpPr>
-          <p:cNvPr id="3" name="Content Placeholder 2"/>
-          <p:cNvSpPr>
-            <a:spLocks noGrp="1"/>
-          </p:cNvSpPr>
-          <p:nvPr>
-            <p:ph sz="quarter" idx="1"/>
-          </p:nvPr>
-        </p:nvSpPr>
-        <p:spPr/>
-        <p:txBody>
-          <a:bodyPr/>
-          <a:lstStyle/>
-          <a:p>
-            <a:endParaRPr lang="en-US" dirty="0"/>
-          </a:p>
-        </p:txBody>
-      </p:sp>
-      <p:sp>
-        <p:nvSpPr>
           <p:cNvPr id="4" name="Title 3"/>
           <p:cNvSpPr>
             <a:spLocks noGrp="1"/>
@@ -5884,14 +7176,24 @@
             <p:ph type="title"/>
           </p:nvPr>
         </p:nvSpPr>
-        <p:spPr/>
-        <p:txBody>
-          <a:bodyPr/>
+        <p:spPr>
+          <a:xfrm>
+            <a:off x="457200" y="274638"/>
+            <a:ext cx="7467600" cy="796908"/>
+          </a:xfrm>
+        </p:spPr>
+        <p:txBody>
+          <a:bodyPr>
+            <a:normAutofit fontScale="90000"/>
+          </a:bodyPr>
           <a:lstStyle/>
           <a:p>
             <a:pPr algn="ctr"/>
             <a:r>
               <a:rPr lang="en-US" dirty="0" smtClean="0">
+                <a:solidFill>
+                  <a:schemeClr val="tx1"/>
+                </a:solidFill>
                 <a:latin typeface="Times New Roman" pitchFamily="18" charset="0"/>
                 <a:cs typeface="Times New Roman" pitchFamily="18" charset="0"/>
               </a:rPr>
@@ -5908,6 +7210,29 @@
           </a:p>
         </p:txBody>
       </p:sp>
+      <p:pic>
+        <p:nvPicPr>
+          <p:cNvPr id="7" name="Content Placeholder 6" descr="image.png"/>
+          <p:cNvPicPr>
+            <a:picLocks noGrp="1" noChangeAspect="1"/>
+          </p:cNvPicPr>
+          <p:nvPr>
+            <p:ph sz="quarter" idx="1"/>
+          </p:nvPr>
+        </p:nvPicPr>
+        <p:blipFill>
+          <a:blip r:embed="rId2"/>
+          <a:stretch>
+            <a:fillRect/>
+          </a:stretch>
+        </p:blipFill>
+        <p:spPr>
+          <a:xfrm>
+            <a:off x="285720" y="785794"/>
+            <a:ext cx="8501122" cy="5873756"/>
+          </a:xfrm>
+        </p:spPr>
+      </p:pic>
     </p:spTree>
   </p:cSld>
   <p:clrMapOvr>
@@ -5943,44 +7268,60 @@
             <p:ph type="title"/>
           </p:nvPr>
         </p:nvSpPr>
-        <p:spPr/>
+        <p:spPr>
+          <a:xfrm>
+            <a:off x="457200" y="274638"/>
+            <a:ext cx="7467600" cy="939784"/>
+          </a:xfrm>
+        </p:spPr>
         <p:txBody>
           <a:bodyPr/>
           <a:lstStyle/>
           <a:p>
+            <a:pPr algn="ctr"/>
             <a:r>
               <a:rPr lang="en-US" dirty="0" smtClean="0">
+                <a:solidFill>
+                  <a:schemeClr val="tx1"/>
+                </a:solidFill>
                 <a:latin typeface="Times New Roman" pitchFamily="18" charset="0"/>
                 <a:cs typeface="Times New Roman" pitchFamily="18" charset="0"/>
               </a:rPr>
               <a:t>CLASS DIAGRAM</a:t>
             </a:r>
             <a:endParaRPr lang="en-US" dirty="0">
+              <a:solidFill>
+                <a:schemeClr val="tx1"/>
+              </a:solidFill>
               <a:latin typeface="Times New Roman" pitchFamily="18" charset="0"/>
               <a:cs typeface="Times New Roman" pitchFamily="18" charset="0"/>
             </a:endParaRPr>
           </a:p>
         </p:txBody>
       </p:sp>
-      <p:sp>
-        <p:nvSpPr>
-          <p:cNvPr id="3" name="Content Placeholder 2"/>
-          <p:cNvSpPr>
-            <a:spLocks noGrp="1"/>
-          </p:cNvSpPr>
+      <p:pic>
+        <p:nvPicPr>
+          <p:cNvPr id="4" name="Content Placeholder 3" descr="classDiagram3.jpg"/>
+          <p:cNvPicPr>
+            <a:picLocks noGrp="1" noChangeAspect="1"/>
+          </p:cNvPicPr>
           <p:nvPr>
             <p:ph sz="quarter" idx="1"/>
           </p:nvPr>
-        </p:nvSpPr>
-        <p:spPr/>
-        <p:txBody>
-          <a:bodyPr/>
-          <a:lstStyle/>
-          <a:p>
-            <a:endParaRPr lang="en-US" dirty="0"/>
-          </a:p>
-        </p:txBody>
-      </p:sp>
+        </p:nvPicPr>
+        <p:blipFill>
+          <a:blip r:embed="rId2"/>
+          <a:stretch>
+            <a:fillRect/>
+          </a:stretch>
+        </p:blipFill>
+        <p:spPr>
+          <a:xfrm>
+            <a:off x="1142976" y="1373139"/>
+            <a:ext cx="6762792" cy="5270572"/>
+          </a:xfrm>
+        </p:spPr>
+      </p:pic>
     </p:spTree>
   </p:cSld>
   <p:clrMapOvr>
@@ -6280,4 +7621,287 @@
   <a:objectDefaults/>
   <a:extraClrSchemeLst/>
 </a:theme>
+</file>
+
+<file path=ppt/theme/theme2.xml><?xml version="1.0" encoding="utf-8"?>
+<a:theme xmlns:a="http://schemas.openxmlformats.org/drawingml/2006/main" name="Office Theme">
+  <a:themeElements>
+    <a:clrScheme name="Office">
+      <a:dk1>
+        <a:sysClr val="windowText" lastClr="000000"/>
+      </a:dk1>
+      <a:lt1>
+        <a:sysClr val="window" lastClr="FFFFFF"/>
+      </a:lt1>
+      <a:dk2>
+        <a:srgbClr val="1F497D"/>
+      </a:dk2>
+      <a:lt2>
+        <a:srgbClr val="EEECE1"/>
+      </a:lt2>
+      <a:accent1>
+        <a:srgbClr val="4F81BD"/>
+      </a:accent1>
+      <a:accent2>
+        <a:srgbClr val="C0504D"/>
+      </a:accent2>
+      <a:accent3>
+        <a:srgbClr val="9BBB59"/>
+      </a:accent3>
+      <a:accent4>
+        <a:srgbClr val="8064A2"/>
+      </a:accent4>
+      <a:accent5>
+        <a:srgbClr val="4BACC6"/>
+      </a:accent5>
+      <a:accent6>
+        <a:srgbClr val="F79646"/>
+      </a:accent6>
+      <a:hlink>
+        <a:srgbClr val="0000FF"/>
+      </a:hlink>
+      <a:folHlink>
+        <a:srgbClr val="800080"/>
+      </a:folHlink>
+    </a:clrScheme>
+    <a:fontScheme name="Office">
+      <a:majorFont>
+        <a:latin typeface="Calibri"/>
+        <a:ea typeface=""/>
+        <a:cs typeface=""/>
+        <a:font script="Jpan" typeface="ＭＳ Ｐゴシック"/>
+        <a:font script="Hang" typeface="맑은 고딕"/>
+        <a:font script="Hans" typeface="宋体"/>
+        <a:font script="Hant" typeface="新細明體"/>
+        <a:font script="Arab" typeface="Times New Roman"/>
+        <a:font script="Hebr" typeface="Times New Roman"/>
+        <a:font script="Thai" typeface="Angsana New"/>
+        <a:font script="Ethi" typeface="Nyala"/>
+        <a:font script="Beng" typeface="Vrinda"/>
+        <a:font script="Gujr" typeface="Shruti"/>
+        <a:font script="Khmr" typeface="MoolBoran"/>
+        <a:font script="Knda" typeface="Tunga"/>
+        <a:font script="Guru" typeface="Raavi"/>
+        <a:font script="Cans" typeface="Euphemia"/>
+        <a:font script="Cher" typeface="Plantagenet Cherokee"/>
+        <a:font script="Yiii" typeface="Microsoft Yi Baiti"/>
+        <a:font script="Tibt" typeface="Microsoft Himalaya"/>
+        <a:font script="Thaa" typeface="MV Boli"/>
+        <a:font script="Deva" typeface="Mangal"/>
+        <a:font script="Telu" typeface="Gautami"/>
+        <a:font script="Taml" typeface="Latha"/>
+        <a:font script="Syrc" typeface="Estrangelo Edessa"/>
+        <a:font script="Orya" typeface="Kalinga"/>
+        <a:font script="Mlym" typeface="Kartika"/>
+        <a:font script="Laoo" typeface="DokChampa"/>
+        <a:font script="Sinh" typeface="Iskoola Pota"/>
+        <a:font script="Mong" typeface="Mongolian Baiti"/>
+        <a:font script="Viet" typeface="Times New Roman"/>
+        <a:font script="Uigh" typeface="Microsoft Uighur"/>
+      </a:majorFont>
+      <a:minorFont>
+        <a:latin typeface="Calibri"/>
+        <a:ea typeface=""/>
+        <a:cs typeface=""/>
+        <a:font script="Jpan" typeface="ＭＳ Ｐゴシック"/>
+        <a:font script="Hang" typeface="맑은 고딕"/>
+        <a:font script="Hans" typeface="宋体"/>
+        <a:font script="Hant" typeface="新細明體"/>
+        <a:font script="Arab" typeface="Arial"/>
+        <a:font script="Hebr" typeface="Arial"/>
+        <a:font script="Thai" typeface="Cordia New"/>
+        <a:font script="Ethi" typeface="Nyala"/>
+        <a:font script="Beng" typeface="Vrinda"/>
+        <a:font script="Gujr" typeface="Shruti"/>
+        <a:font script="Khmr" typeface="DaunPenh"/>
+        <a:font script="Knda" typeface="Tunga"/>
+        <a:font script="Guru" typeface="Raavi"/>
+        <a:font script="Cans" typeface="Euphemia"/>
+        <a:font script="Cher" typeface="Plantagenet Cherokee"/>
+        <a:font script="Yiii" typeface="Microsoft Yi Baiti"/>
+        <a:font script="Tibt" typeface="Microsoft Himalaya"/>
+        <a:font script="Thaa" typeface="MV Boli"/>
+        <a:font script="Deva" typeface="Mangal"/>
+        <a:font script="Telu" typeface="Gautami"/>
+        <a:font script="Taml" typeface="Latha"/>
+        <a:font script="Syrc" typeface="Estrangelo Edessa"/>
+        <a:font script="Orya" typeface="Kalinga"/>
+        <a:font script="Mlym" typeface="Kartika"/>
+        <a:font script="Laoo" typeface="DokChampa"/>
+        <a:font script="Sinh" typeface="Iskoola Pota"/>
+        <a:font script="Mong" typeface="Mongolian Baiti"/>
+        <a:font script="Viet" typeface="Arial"/>
+        <a:font script="Uigh" typeface="Microsoft Uighur"/>
+      </a:minorFont>
+    </a:fontScheme>
+    <a:fmtScheme name="Office">
+      <a:fillStyleLst>
+        <a:solidFill>
+          <a:schemeClr val="phClr"/>
+        </a:solidFill>
+        <a:gradFill rotWithShape="1">
+          <a:gsLst>
+            <a:gs pos="0">
+              <a:schemeClr val="phClr">
+                <a:tint val="50000"/>
+                <a:satMod val="300000"/>
+              </a:schemeClr>
+            </a:gs>
+            <a:gs pos="35000">
+              <a:schemeClr val="phClr">
+                <a:tint val="37000"/>
+                <a:satMod val="300000"/>
+              </a:schemeClr>
+            </a:gs>
+            <a:gs pos="100000">
+              <a:schemeClr val="phClr">
+                <a:tint val="15000"/>
+                <a:satMod val="350000"/>
+              </a:schemeClr>
+            </a:gs>
+          </a:gsLst>
+          <a:lin ang="16200000" scaled="1"/>
+        </a:gradFill>
+        <a:gradFill rotWithShape="1">
+          <a:gsLst>
+            <a:gs pos="0">
+              <a:schemeClr val="phClr">
+                <a:shade val="51000"/>
+                <a:satMod val="130000"/>
+              </a:schemeClr>
+            </a:gs>
+            <a:gs pos="80000">
+              <a:schemeClr val="phClr">
+                <a:shade val="93000"/>
+                <a:satMod val="130000"/>
+              </a:schemeClr>
+            </a:gs>
+            <a:gs pos="100000">
+              <a:schemeClr val="phClr">
+                <a:shade val="94000"/>
+                <a:satMod val="135000"/>
+              </a:schemeClr>
+            </a:gs>
+          </a:gsLst>
+          <a:lin ang="16200000" scaled="0"/>
+        </a:gradFill>
+      </a:fillStyleLst>
+      <a:lnStyleLst>
+        <a:ln w="9525" cap="flat" cmpd="sng" algn="ctr">
+          <a:solidFill>
+            <a:schemeClr val="phClr">
+              <a:shade val="95000"/>
+              <a:satMod val="105000"/>
+            </a:schemeClr>
+          </a:solidFill>
+          <a:prstDash val="solid"/>
+        </a:ln>
+        <a:ln w="25400" cap="flat" cmpd="sng" algn="ctr">
+          <a:solidFill>
+            <a:schemeClr val="phClr"/>
+          </a:solidFill>
+          <a:prstDash val="solid"/>
+        </a:ln>
+        <a:ln w="38100" cap="flat" cmpd="sng" algn="ctr">
+          <a:solidFill>
+            <a:schemeClr val="phClr"/>
+          </a:solidFill>
+          <a:prstDash val="solid"/>
+        </a:ln>
+      </a:lnStyleLst>
+      <a:effectStyleLst>
+        <a:effectStyle>
+          <a:effectLst>
+            <a:outerShdw blurRad="40000" dist="20000" dir="5400000" rotWithShape="0">
+              <a:srgbClr val="000000">
+                <a:alpha val="38000"/>
+              </a:srgbClr>
+            </a:outerShdw>
+          </a:effectLst>
+        </a:effectStyle>
+        <a:effectStyle>
+          <a:effectLst>
+            <a:outerShdw blurRad="40000" dist="23000" dir="5400000" rotWithShape="0">
+              <a:srgbClr val="000000">
+                <a:alpha val="35000"/>
+              </a:srgbClr>
+            </a:outerShdw>
+          </a:effectLst>
+        </a:effectStyle>
+        <a:effectStyle>
+          <a:effectLst>
+            <a:outerShdw blurRad="40000" dist="23000" dir="5400000" rotWithShape="0">
+              <a:srgbClr val="000000">
+                <a:alpha val="35000"/>
+              </a:srgbClr>
+            </a:outerShdw>
+          </a:effectLst>
+          <a:scene3d>
+            <a:camera prst="orthographicFront">
+              <a:rot lat="0" lon="0" rev="0"/>
+            </a:camera>
+            <a:lightRig rig="threePt" dir="t">
+              <a:rot lat="0" lon="0" rev="1200000"/>
+            </a:lightRig>
+          </a:scene3d>
+          <a:sp3d>
+            <a:bevelT w="63500" h="25400"/>
+          </a:sp3d>
+        </a:effectStyle>
+      </a:effectStyleLst>
+      <a:bgFillStyleLst>
+        <a:solidFill>
+          <a:schemeClr val="phClr"/>
+        </a:solidFill>
+        <a:gradFill rotWithShape="1">
+          <a:gsLst>
+            <a:gs pos="0">
+              <a:schemeClr val="phClr">
+                <a:tint val="40000"/>
+                <a:satMod val="350000"/>
+              </a:schemeClr>
+            </a:gs>
+            <a:gs pos="40000">
+              <a:schemeClr val="phClr">
+                <a:tint val="45000"/>
+                <a:shade val="99000"/>
+                <a:satMod val="350000"/>
+              </a:schemeClr>
+            </a:gs>
+            <a:gs pos="100000">
+              <a:schemeClr val="phClr">
+                <a:shade val="20000"/>
+                <a:satMod val="255000"/>
+              </a:schemeClr>
+            </a:gs>
+          </a:gsLst>
+          <a:path path="circle">
+            <a:fillToRect l="50000" t="-80000" r="50000" b="180000"/>
+          </a:path>
+        </a:gradFill>
+        <a:gradFill rotWithShape="1">
+          <a:gsLst>
+            <a:gs pos="0">
+              <a:schemeClr val="phClr">
+                <a:tint val="80000"/>
+                <a:satMod val="300000"/>
+              </a:schemeClr>
+            </a:gs>
+            <a:gs pos="100000">
+              <a:schemeClr val="phClr">
+                <a:shade val="30000"/>
+                <a:satMod val="200000"/>
+              </a:schemeClr>
+            </a:gs>
+          </a:gsLst>
+          <a:path path="circle">
+            <a:fillToRect l="50000" t="50000" r="50000" b="50000"/>
+          </a:path>
+        </a:gradFill>
+      </a:bgFillStyleLst>
+    </a:fmtScheme>
+  </a:themeElements>
+  <a:objectDefaults/>
+  <a:extraClrSchemeLst/>
+</a:theme>
 </file>